--- a/ออกแบบโปรเจคทะเบียนสินทรัพย์.pptx
+++ b/ออกแบบโปรเจคทะเบียนสินทรัพย์.pptx
@@ -27,7 +27,7 @@
     <p:sldId id="266" r:id="rId18"/>
     <p:sldId id="269" r:id="rId19"/>
     <p:sldId id="270" r:id="rId20"/>
-    <p:sldId id="271" r:id="rId21"/>
+    <p:sldId id="281" r:id="rId21"/>
   </p:sldIdLst>
   <p:sldSz cx="9144000" cy="5143500" type="screen16x9"/>
   <p:notesSz cx="6858000" cy="9144000"/>
@@ -1889,7 +1889,7 @@
     </p:spTree>
     <p:extLst>
       <p:ext uri="{BB962C8B-B14F-4D97-AF65-F5344CB8AC3E}">
-        <p14:creationId xmlns:p14="http://schemas.microsoft.com/office/powerpoint/2010/main" val="4019653243"/>
+        <p14:creationId xmlns:p14="http://schemas.microsoft.com/office/powerpoint/2010/main" val="2443430853"/>
       </p:ext>
     </p:extLst>
   </p:cSld>
@@ -17373,8 +17373,8 @@
         </p:nvSpPr>
         <p:spPr>
           <a:xfrm>
-            <a:off x="5531889" y="1737362"/>
-            <a:ext cx="729687" cy="307777"/>
+            <a:off x="5572873" y="1737360"/>
+            <a:ext cx="590226" cy="307777"/>
           </a:xfrm>
           <a:prstGeom prst="rect">
             <a:avLst/>
@@ -17392,7 +17392,7 @@
                 <a:latin typeface="TH Sarabun New" panose="020B0500040200020003" pitchFamily="34" charset="-34"/>
                 <a:cs typeface="TH Sarabun New" panose="020B0500040200020003" pitchFamily="34" charset="-34"/>
               </a:rPr>
-              <a:t>ผู้รับขอเบิก</a:t>
+              <a:t>ผู้ขอเบิก</a:t>
             </a:r>
             <a:endParaRPr lang="th-TH" b="1" dirty="0">
               <a:latin typeface="TH Sarabun New" panose="020B0500040200020003" pitchFamily="34" charset="-34"/>
@@ -17755,7 +17755,7 @@
         </p:nvSpPr>
         <p:spPr>
           <a:xfrm>
-            <a:off x="4598111" y="972020"/>
+            <a:off x="4542180" y="951928"/>
             <a:ext cx="2688900" cy="392400"/>
           </a:xfrm>
           <a:prstGeom prst="rect">
@@ -20427,8 +20427,8 @@
         </p:nvSpPr>
         <p:spPr>
           <a:xfrm>
-            <a:off x="8040717" y="3462687"/>
-            <a:ext cx="636904" cy="227005"/>
+            <a:off x="8207703" y="3478117"/>
+            <a:ext cx="439626" cy="211575"/>
           </a:xfrm>
           <a:prstGeom prst="roundRect">
             <a:avLst/>
@@ -24805,7 +24805,7 @@
         </p:nvSpPr>
         <p:spPr>
           <a:xfrm>
-            <a:off x="335650" y="4753425"/>
+            <a:off x="7980800" y="4763622"/>
             <a:ext cx="924900" cy="313200"/>
           </a:xfrm>
           <a:prstGeom prst="roundRect">
@@ -24839,13 +24839,18 @@
               <a:buNone/>
             </a:pPr>
             <a:r>
-              <a:rPr lang="th" dirty="0">
+              <a:rPr lang="th-TH" dirty="0" smtClean="0">
                 <a:solidFill>
                   <a:srgbClr val="FFFFFF"/>
                 </a:solidFill>
               </a:rPr>
-              <a:t>หน้าหลัก</a:t>
-            </a:r>
+              <a:t>พิมพ์</a:t>
+            </a:r>
+            <a:endParaRPr lang="th" dirty="0">
+              <a:solidFill>
+                <a:srgbClr val="FFFFFF"/>
+              </a:solidFill>
+            </a:endParaRPr>
           </a:p>
         </p:txBody>
       </p:sp>
@@ -24854,6 +24859,13 @@
   <p:clrMapOvr>
     <a:masterClrMapping/>
   </p:clrMapOvr>
+  <p:timing>
+    <p:tnLst>
+      <p:par>
+        <p:cTn id="1" dur="indefinite" restart="never" nodeType="tmRoot"/>
+      </p:par>
+    </p:tnLst>
+  </p:timing>
 </p:sld>
 </file>
 
@@ -26218,41 +26230,6 @@
       </p:grpSpPr>
       <p:sp>
         <p:nvSpPr>
-          <p:cNvPr id="536" name="Shape 536"/>
-          <p:cNvSpPr txBox="1">
-            <a:spLocks noGrp="1"/>
-          </p:cNvSpPr>
-          <p:nvPr>
-            <p:ph type="body" idx="1"/>
-          </p:nvPr>
-        </p:nvSpPr>
-        <p:spPr>
-          <a:xfrm>
-            <a:off x="311700" y="1152475"/>
-            <a:ext cx="8277000" cy="3416400"/>
-          </a:xfrm>
-          <a:prstGeom prst="rect">
-            <a:avLst/>
-          </a:prstGeom>
-        </p:spPr>
-        <p:txBody>
-          <a:bodyPr wrap="square" lIns="91425" tIns="91425" rIns="91425" bIns="91425" anchor="t" anchorCtr="0">
-            <a:noAutofit/>
-          </a:bodyPr>
-          <a:lstStyle/>
-          <a:p>
-            <a:pPr lvl="0" rtl="0">
-              <a:spcBef>
-                <a:spcPts val="0"/>
-              </a:spcBef>
-              <a:buNone/>
-            </a:pPr>
-            <a:endParaRPr/>
-          </a:p>
-        </p:txBody>
-      </p:sp>
-      <p:sp>
-        <p:nvSpPr>
           <p:cNvPr id="537" name="Shape 537"/>
           <p:cNvSpPr/>
           <p:nvPr/>
@@ -26285,7 +26262,7 @@
               <a:buNone/>
             </a:pPr>
             <a:r>
-              <a:rPr lang="th" sz="2400" b="1">
+              <a:rPr lang="th" sz="2400" b="1" dirty="0">
                 <a:solidFill>
                   <a:srgbClr val="FFFFFF"/>
                 </a:solidFill>
@@ -26296,49 +26273,6 @@
               </a:rPr>
               <a:t>ระบบการจัดการทะเบียนสินทรัพย์ บริษัทนพดลพาณิชย์</a:t>
             </a:r>
-          </a:p>
-        </p:txBody>
-      </p:sp>
-      <p:sp>
-        <p:nvSpPr>
-          <p:cNvPr id="538" name="Shape 538"/>
-          <p:cNvSpPr/>
-          <p:nvPr/>
-        </p:nvSpPr>
-        <p:spPr>
-          <a:xfrm>
-            <a:off x="311700" y="560600"/>
-            <a:ext cx="8629800" cy="4138500"/>
-          </a:xfrm>
-          <a:prstGeom prst="rect">
-            <a:avLst/>
-          </a:prstGeom>
-          <a:solidFill>
-            <a:schemeClr val="lt2"/>
-          </a:solidFill>
-          <a:ln w="9525" cap="flat" cmpd="sng">
-            <a:solidFill>
-              <a:srgbClr val="000000"/>
-            </a:solidFill>
-            <a:prstDash val="solid"/>
-            <a:round/>
-            <a:headEnd type="none" w="med" len="med"/>
-            <a:tailEnd type="none" w="med" len="med"/>
-          </a:ln>
-        </p:spPr>
-        <p:txBody>
-          <a:bodyPr wrap="square" lIns="91425" tIns="91425" rIns="91425" bIns="91425" anchor="ctr" anchorCtr="0">
-            <a:noAutofit/>
-          </a:bodyPr>
-          <a:lstStyle/>
-          <a:p>
-            <a:pPr lvl="0">
-              <a:spcBef>
-                <a:spcPts val="0"/>
-              </a:spcBef>
-              <a:buNone/>
-            </a:pPr>
-            <a:endParaRPr/>
           </a:p>
         </p:txBody>
       </p:sp>
@@ -26372,49 +26306,6 @@
       </p:pic>
       <p:sp>
         <p:nvSpPr>
-          <p:cNvPr id="540" name="Shape 540"/>
-          <p:cNvSpPr/>
-          <p:nvPr/>
-        </p:nvSpPr>
-        <p:spPr>
-          <a:xfrm>
-            <a:off x="322350" y="1976125"/>
-            <a:ext cx="8629800" cy="434400"/>
-          </a:xfrm>
-          <a:prstGeom prst="rect">
-            <a:avLst/>
-          </a:prstGeom>
-          <a:solidFill>
-            <a:srgbClr val="FF00FF"/>
-          </a:solidFill>
-          <a:ln w="19050" cap="flat" cmpd="sng">
-            <a:solidFill>
-              <a:srgbClr val="000000"/>
-            </a:solidFill>
-            <a:prstDash val="solid"/>
-            <a:round/>
-            <a:headEnd type="none" w="med" len="med"/>
-            <a:tailEnd type="none" w="med" len="med"/>
-          </a:ln>
-        </p:spPr>
-        <p:txBody>
-          <a:bodyPr wrap="square" lIns="91425" tIns="91425" rIns="91425" bIns="91425" anchor="ctr" anchorCtr="0">
-            <a:noAutofit/>
-          </a:bodyPr>
-          <a:lstStyle/>
-          <a:p>
-            <a:pPr lvl="0">
-              <a:spcBef>
-                <a:spcPts val="0"/>
-              </a:spcBef>
-              <a:buNone/>
-            </a:pPr>
-            <a:endParaRPr/>
-          </a:p>
-        </p:txBody>
-      </p:sp>
-      <p:sp>
-        <p:nvSpPr>
           <p:cNvPr id="541" name="Shape 541"/>
           <p:cNvSpPr txBox="1">
             <a:spLocks noGrp="1"/>
@@ -26456,7 +26347,7 @@
               <a:buNone/>
             </a:pPr>
             <a:r>
-              <a:rPr lang="th" sz="1800">
+              <a:rPr lang="th" sz="1800" dirty="0">
                 <a:solidFill>
                   <a:srgbClr val="000000"/>
                 </a:solidFill>
@@ -26475,13 +26366,13 @@
               </a:spcBef>
               <a:buNone/>
             </a:pPr>
-            <a:endParaRPr/>
-          </a:p>
-        </p:txBody>
-      </p:sp>
-      <p:sp>
-        <p:nvSpPr>
-          <p:cNvPr id="542" name="Shape 542"/>
+            <a:endParaRPr dirty="0"/>
+          </a:p>
+        </p:txBody>
+      </p:sp>
+      <p:sp>
+        <p:nvSpPr>
+          <p:cNvPr id="561" name="Shape 561"/>
           <p:cNvSpPr txBox="1">
             <a:spLocks noGrp="1"/>
           </p:cNvSpPr>
@@ -26491,8 +26382,8 @@
         </p:nvSpPr>
         <p:spPr>
           <a:xfrm>
-            <a:off x="414700" y="1943875"/>
-            <a:ext cx="462000" cy="346500"/>
+            <a:off x="235500" y="613175"/>
+            <a:ext cx="1465500" cy="346500"/>
           </a:xfrm>
           <a:prstGeom prst="rect">
             <a:avLst/>
@@ -26522,32 +26413,80 @@
               <a:buNone/>
             </a:pPr>
             <a:r>
-              <a:rPr lang="th" sz="1800">
+              <a:rPr lang="th" sz="1800" b="1" dirty="0">
                 <a:solidFill>
-                  <a:srgbClr val="FFFFFF"/>
+                  <a:srgbClr val="000000"/>
                 </a:solidFill>
                 <a:latin typeface="AngsanaUPC"/>
                 <a:ea typeface="AngsanaUPC"/>
                 <a:cs typeface="AngsanaUPC"/>
                 <a:sym typeface="AngsanaUPC"/>
               </a:rPr>
-              <a:t>NO.</a:t>
-            </a:r>
-          </a:p>
-          <a:p>
-            <a:pPr lvl="0" rtl="0">
-              <a:spcBef>
-                <a:spcPts val="0"/>
-              </a:spcBef>
-              <a:buNone/>
-            </a:pPr>
-            <a:endParaRPr/>
-          </a:p>
-        </p:txBody>
-      </p:sp>
-      <p:sp>
-        <p:nvSpPr>
-          <p:cNvPr id="543" name="Shape 543"/>
+              <a:t>เลข</a:t>
+            </a:r>
+            <a:r>
+              <a:rPr lang="th" sz="1800" b="1" dirty="0" smtClean="0">
+                <a:solidFill>
+                  <a:srgbClr val="000000"/>
+                </a:solidFill>
+                <a:latin typeface="AngsanaUPC"/>
+                <a:ea typeface="AngsanaUPC"/>
+                <a:cs typeface="AngsanaUPC"/>
+                <a:sym typeface="AngsanaUPC"/>
+              </a:rPr>
+              <a:t>ที่</a:t>
+            </a:r>
+            <a:r>
+              <a:rPr lang="th-TH" sz="1800" b="1" dirty="0" smtClean="0">
+                <a:solidFill>
+                  <a:srgbClr val="000000"/>
+                </a:solidFill>
+                <a:latin typeface="AngsanaUPC"/>
+                <a:ea typeface="AngsanaUPC"/>
+                <a:cs typeface="AngsanaUPC"/>
+                <a:sym typeface="AngsanaUPC"/>
+              </a:rPr>
+              <a:t>ใบเบิก</a:t>
+            </a:r>
+            <a:r>
+              <a:rPr lang="th" sz="1800" b="1" dirty="0" smtClean="0">
+                <a:solidFill>
+                  <a:srgbClr val="000000"/>
+                </a:solidFill>
+                <a:latin typeface="AngsanaUPC"/>
+                <a:ea typeface="AngsanaUPC"/>
+                <a:cs typeface="AngsanaUPC"/>
+                <a:sym typeface="AngsanaUPC"/>
+              </a:rPr>
+              <a:t> </a:t>
+            </a:r>
+            <a:r>
+              <a:rPr lang="th" sz="1800" b="1" dirty="0">
+                <a:solidFill>
+                  <a:srgbClr val="000000"/>
+                </a:solidFill>
+                <a:latin typeface="AngsanaUPC"/>
+                <a:ea typeface="AngsanaUPC"/>
+                <a:cs typeface="AngsanaUPC"/>
+                <a:sym typeface="AngsanaUPC"/>
+              </a:rPr>
+              <a:t>1/22222</a:t>
+            </a:r>
+          </a:p>
+          <a:p>
+            <a:pPr lvl="0" rtl="0">
+              <a:spcBef>
+                <a:spcPts val="0"/>
+              </a:spcBef>
+              <a:buNone/>
+            </a:pPr>
+            <a:endParaRPr dirty="0"/>
+          </a:p>
+        </p:txBody>
+      </p:sp>
+      <p:sp>
+        <p:nvSpPr>
+          <p:cNvPr id="562" name="Shape 562"/>
           <p:cNvSpPr txBox="1">
             <a:spLocks noGrp="1"/>
           </p:cNvSpPr>
@@ -26557,8 +26496,8 @@
         </p:nvSpPr>
         <p:spPr>
           <a:xfrm>
-            <a:off x="1001200" y="1943875"/>
-            <a:ext cx="1163100" cy="346500"/>
+            <a:off x="7373650" y="613175"/>
+            <a:ext cx="1465500" cy="346500"/>
           </a:xfrm>
           <a:prstGeom prst="rect">
             <a:avLst/>
@@ -26570,7 +26509,7 @@
           </a:bodyPr>
           <a:lstStyle/>
           <a:p>
-            <a:pPr lvl="0" algn="l" rtl="0">
+            <a:pPr lvl="0" algn="ctr" rtl="0">
               <a:lnSpc>
                 <a:spcPct val="115000"/>
               </a:lnSpc>
@@ -26588,557 +26527,7 @@
               <a:buNone/>
             </a:pPr>
             <a:r>
-              <a:rPr lang="th" sz="1800">
-                <a:solidFill>
-                  <a:srgbClr val="FFFFFF"/>
-                </a:solidFill>
-                <a:latin typeface="AngsanaUPC"/>
-                <a:ea typeface="AngsanaUPC"/>
-                <a:cs typeface="AngsanaUPC"/>
-                <a:sym typeface="AngsanaUPC"/>
-              </a:rPr>
-              <a:t>รหัสสินทรัพย์</a:t>
-            </a:r>
-          </a:p>
-          <a:p>
-            <a:pPr lvl="0" rtl="0">
-              <a:spcBef>
-                <a:spcPts val="0"/>
-              </a:spcBef>
-              <a:buNone/>
-            </a:pPr>
-            <a:endParaRPr/>
-          </a:p>
-        </p:txBody>
-      </p:sp>
-      <p:sp>
-        <p:nvSpPr>
-          <p:cNvPr id="544" name="Shape 544"/>
-          <p:cNvSpPr txBox="1">
-            <a:spLocks noGrp="1"/>
-          </p:cNvSpPr>
-          <p:nvPr>
-            <p:ph type="title"/>
-          </p:nvPr>
-        </p:nvSpPr>
-        <p:spPr>
-          <a:xfrm>
-            <a:off x="3911500" y="1940738"/>
-            <a:ext cx="1163100" cy="346500"/>
-          </a:xfrm>
-          <a:prstGeom prst="rect">
-            <a:avLst/>
-          </a:prstGeom>
-        </p:spPr>
-        <p:txBody>
-          <a:bodyPr wrap="square" lIns="91425" tIns="91425" rIns="91425" bIns="91425" anchor="t" anchorCtr="0">
-            <a:noAutofit/>
-          </a:bodyPr>
-          <a:lstStyle/>
-          <a:p>
-            <a:pPr lvl="0" algn="l" rtl="0">
-              <a:lnSpc>
-                <a:spcPct val="115000"/>
-              </a:lnSpc>
-              <a:spcBef>
-                <a:spcPts val="0"/>
-              </a:spcBef>
-              <a:spcAft>
-                <a:spcPts val="1600"/>
-              </a:spcAft>
-              <a:buClr>
-                <a:schemeClr val="dk1"/>
-              </a:buClr>
-              <a:buSzPct val="61111"/>
-              <a:buFont typeface="Arial"/>
-              <a:buNone/>
-            </a:pPr>
-            <a:r>
-              <a:rPr lang="th" sz="1800">
-                <a:solidFill>
-                  <a:srgbClr val="FFFFFF"/>
-                </a:solidFill>
-                <a:latin typeface="AngsanaUPC"/>
-                <a:ea typeface="AngsanaUPC"/>
-                <a:cs typeface="AngsanaUPC"/>
-                <a:sym typeface="AngsanaUPC"/>
-              </a:rPr>
-              <a:t>รหัสพนักงาน</a:t>
-            </a:r>
-          </a:p>
-          <a:p>
-            <a:pPr lvl="0" rtl="0">
-              <a:spcBef>
-                <a:spcPts val="0"/>
-              </a:spcBef>
-              <a:buNone/>
-            </a:pPr>
-            <a:endParaRPr/>
-          </a:p>
-        </p:txBody>
-      </p:sp>
-      <p:cxnSp>
-        <p:nvCxnSpPr>
-          <p:cNvPr id="545" name="Shape 545"/>
-          <p:cNvCxnSpPr/>
-          <p:nvPr/>
-        </p:nvCxnSpPr>
-        <p:spPr>
-          <a:xfrm>
-            <a:off x="925000" y="1964725"/>
-            <a:ext cx="27900" cy="2758200"/>
-          </a:xfrm>
-          <a:prstGeom prst="straightConnector1">
-            <a:avLst/>
-          </a:prstGeom>
-          <a:noFill/>
-          <a:ln w="19050" cap="flat" cmpd="sng">
-            <a:solidFill>
-              <a:schemeClr val="dk2"/>
-            </a:solidFill>
-            <a:prstDash val="solid"/>
-            <a:round/>
-            <a:headEnd type="none" w="lg" len="lg"/>
-            <a:tailEnd type="none" w="lg" len="lg"/>
-          </a:ln>
-        </p:spPr>
-      </p:cxnSp>
-      <p:cxnSp>
-        <p:nvCxnSpPr>
-          <p:cNvPr id="546" name="Shape 546"/>
-          <p:cNvCxnSpPr/>
-          <p:nvPr/>
-        </p:nvCxnSpPr>
-        <p:spPr>
-          <a:xfrm>
-            <a:off x="2088100" y="1964725"/>
-            <a:ext cx="28200" cy="2758200"/>
-          </a:xfrm>
-          <a:prstGeom prst="straightConnector1">
-            <a:avLst/>
-          </a:prstGeom>
-          <a:noFill/>
-          <a:ln w="19050" cap="flat" cmpd="sng">
-            <a:solidFill>
-              <a:schemeClr val="dk2"/>
-            </a:solidFill>
-            <a:prstDash val="solid"/>
-            <a:round/>
-            <a:headEnd type="none" w="lg" len="lg"/>
-            <a:tailEnd type="none" w="lg" len="lg"/>
-          </a:ln>
-        </p:spPr>
-      </p:cxnSp>
-      <p:cxnSp>
-        <p:nvCxnSpPr>
-          <p:cNvPr id="547" name="Shape 547"/>
-          <p:cNvCxnSpPr/>
-          <p:nvPr/>
-        </p:nvCxnSpPr>
-        <p:spPr>
-          <a:xfrm>
-            <a:off x="3656000" y="1964725"/>
-            <a:ext cx="15900" cy="2786400"/>
-          </a:xfrm>
-          <a:prstGeom prst="straightConnector1">
-            <a:avLst/>
-          </a:prstGeom>
-          <a:noFill/>
-          <a:ln w="19050" cap="flat" cmpd="sng">
-            <a:solidFill>
-              <a:schemeClr val="dk2"/>
-            </a:solidFill>
-            <a:prstDash val="solid"/>
-            <a:round/>
-            <a:headEnd type="none" w="lg" len="lg"/>
-            <a:tailEnd type="none" w="lg" len="lg"/>
-          </a:ln>
-        </p:spPr>
-      </p:cxnSp>
-      <p:cxnSp>
-        <p:nvCxnSpPr>
-          <p:cNvPr id="548" name="Shape 548"/>
-          <p:cNvCxnSpPr/>
-          <p:nvPr/>
-        </p:nvCxnSpPr>
-        <p:spPr>
-          <a:xfrm>
-            <a:off x="5338225" y="1964725"/>
-            <a:ext cx="23700" cy="2758200"/>
-          </a:xfrm>
-          <a:prstGeom prst="straightConnector1">
-            <a:avLst/>
-          </a:prstGeom>
-          <a:noFill/>
-          <a:ln w="19050" cap="flat" cmpd="sng">
-            <a:solidFill>
-              <a:schemeClr val="dk2"/>
-            </a:solidFill>
-            <a:prstDash val="solid"/>
-            <a:round/>
-            <a:headEnd type="none" w="lg" len="lg"/>
-            <a:tailEnd type="none" w="lg" len="lg"/>
-          </a:ln>
-        </p:spPr>
-      </p:cxnSp>
-      <p:cxnSp>
-        <p:nvCxnSpPr>
-          <p:cNvPr id="549" name="Shape 549"/>
-          <p:cNvCxnSpPr/>
-          <p:nvPr/>
-        </p:nvCxnSpPr>
-        <p:spPr>
-          <a:xfrm>
-            <a:off x="311700" y="2802050"/>
-            <a:ext cx="8629800" cy="0"/>
-          </a:xfrm>
-          <a:prstGeom prst="straightConnector1">
-            <a:avLst/>
-          </a:prstGeom>
-          <a:noFill/>
-          <a:ln w="9525" cap="flat" cmpd="sng">
-            <a:solidFill>
-              <a:schemeClr val="dk2"/>
-            </a:solidFill>
-            <a:prstDash val="solid"/>
-            <a:round/>
-            <a:headEnd type="none" w="lg" len="lg"/>
-            <a:tailEnd type="none" w="lg" len="lg"/>
-          </a:ln>
-        </p:spPr>
-      </p:cxnSp>
-      <p:cxnSp>
-        <p:nvCxnSpPr>
-          <p:cNvPr id="550" name="Shape 550"/>
-          <p:cNvCxnSpPr/>
-          <p:nvPr/>
-        </p:nvCxnSpPr>
-        <p:spPr>
-          <a:xfrm>
-            <a:off x="322350" y="3192700"/>
-            <a:ext cx="8629800" cy="0"/>
-          </a:xfrm>
-          <a:prstGeom prst="straightConnector1">
-            <a:avLst/>
-          </a:prstGeom>
-          <a:noFill/>
-          <a:ln w="9525" cap="flat" cmpd="sng">
-            <a:solidFill>
-              <a:schemeClr val="dk2"/>
-            </a:solidFill>
-            <a:prstDash val="solid"/>
-            <a:round/>
-            <a:headEnd type="none" w="lg" len="lg"/>
-            <a:tailEnd type="none" w="lg" len="lg"/>
-          </a:ln>
-        </p:spPr>
-      </p:cxnSp>
-      <p:cxnSp>
-        <p:nvCxnSpPr>
-          <p:cNvPr id="551" name="Shape 551"/>
-          <p:cNvCxnSpPr/>
-          <p:nvPr/>
-        </p:nvCxnSpPr>
-        <p:spPr>
-          <a:xfrm>
-            <a:off x="322363" y="3541325"/>
-            <a:ext cx="8629800" cy="0"/>
-          </a:xfrm>
-          <a:prstGeom prst="straightConnector1">
-            <a:avLst/>
-          </a:prstGeom>
-          <a:noFill/>
-          <a:ln w="9525" cap="flat" cmpd="sng">
-            <a:solidFill>
-              <a:schemeClr val="dk2"/>
-            </a:solidFill>
-            <a:prstDash val="solid"/>
-            <a:round/>
-            <a:headEnd type="none" w="lg" len="lg"/>
-            <a:tailEnd type="none" w="lg" len="lg"/>
-          </a:ln>
-        </p:spPr>
-      </p:cxnSp>
-      <p:cxnSp>
-        <p:nvCxnSpPr>
-          <p:cNvPr id="552" name="Shape 552"/>
-          <p:cNvCxnSpPr/>
-          <p:nvPr/>
-        </p:nvCxnSpPr>
-        <p:spPr>
-          <a:xfrm>
-            <a:off x="322375" y="3960000"/>
-            <a:ext cx="8629800" cy="0"/>
-          </a:xfrm>
-          <a:prstGeom prst="straightConnector1">
-            <a:avLst/>
-          </a:prstGeom>
-          <a:noFill/>
-          <a:ln w="9525" cap="flat" cmpd="sng">
-            <a:solidFill>
-              <a:schemeClr val="dk2"/>
-            </a:solidFill>
-            <a:prstDash val="solid"/>
-            <a:round/>
-            <a:headEnd type="none" w="lg" len="lg"/>
-            <a:tailEnd type="none" w="lg" len="lg"/>
-          </a:ln>
-        </p:spPr>
-      </p:cxnSp>
-      <p:cxnSp>
-        <p:nvCxnSpPr>
-          <p:cNvPr id="553" name="Shape 553"/>
-          <p:cNvCxnSpPr/>
-          <p:nvPr/>
-        </p:nvCxnSpPr>
-        <p:spPr>
-          <a:xfrm>
-            <a:off x="322375" y="4336625"/>
-            <a:ext cx="8629800" cy="0"/>
-          </a:xfrm>
-          <a:prstGeom prst="straightConnector1">
-            <a:avLst/>
-          </a:prstGeom>
-          <a:noFill/>
-          <a:ln w="9525" cap="flat" cmpd="sng">
-            <a:solidFill>
-              <a:schemeClr val="dk2"/>
-            </a:solidFill>
-            <a:prstDash val="solid"/>
-            <a:round/>
-            <a:headEnd type="none" w="lg" len="lg"/>
-            <a:tailEnd type="none" w="lg" len="lg"/>
-          </a:ln>
-        </p:spPr>
-      </p:cxnSp>
-      <p:cxnSp>
-        <p:nvCxnSpPr>
-          <p:cNvPr id="554" name="Shape 554"/>
-          <p:cNvCxnSpPr/>
-          <p:nvPr/>
-        </p:nvCxnSpPr>
-        <p:spPr>
-          <a:xfrm>
-            <a:off x="322375" y="4699250"/>
-            <a:ext cx="8629800" cy="0"/>
-          </a:xfrm>
-          <a:prstGeom prst="straightConnector1">
-            <a:avLst/>
-          </a:prstGeom>
-          <a:noFill/>
-          <a:ln w="9525" cap="flat" cmpd="sng">
-            <a:solidFill>
-              <a:schemeClr val="dk2"/>
-            </a:solidFill>
-            <a:prstDash val="solid"/>
-            <a:round/>
-            <a:headEnd type="none" w="lg" len="lg"/>
-            <a:tailEnd type="none" w="lg" len="lg"/>
-          </a:ln>
-        </p:spPr>
-      </p:cxnSp>
-      <p:cxnSp>
-        <p:nvCxnSpPr>
-          <p:cNvPr id="555" name="Shape 555"/>
-          <p:cNvCxnSpPr/>
-          <p:nvPr/>
-        </p:nvCxnSpPr>
-        <p:spPr>
-          <a:xfrm>
-            <a:off x="7156250" y="1950625"/>
-            <a:ext cx="15900" cy="2786400"/>
-          </a:xfrm>
-          <a:prstGeom prst="straightConnector1">
-            <a:avLst/>
-          </a:prstGeom>
-          <a:noFill/>
-          <a:ln w="19050" cap="flat" cmpd="sng">
-            <a:solidFill>
-              <a:schemeClr val="dk2"/>
-            </a:solidFill>
-            <a:prstDash val="solid"/>
-            <a:round/>
-            <a:headEnd type="none" w="lg" len="lg"/>
-            <a:tailEnd type="none" w="lg" len="lg"/>
-          </a:ln>
-        </p:spPr>
-      </p:cxnSp>
-      <p:sp>
-        <p:nvSpPr>
-          <p:cNvPr id="556" name="Shape 556"/>
-          <p:cNvSpPr txBox="1">
-            <a:spLocks noGrp="1"/>
-          </p:cNvSpPr>
-          <p:nvPr>
-            <p:ph type="title"/>
-          </p:nvPr>
-        </p:nvSpPr>
-        <p:spPr>
-          <a:xfrm>
-            <a:off x="2380800" y="1940725"/>
-            <a:ext cx="1163100" cy="346500"/>
-          </a:xfrm>
-          <a:prstGeom prst="rect">
-            <a:avLst/>
-          </a:prstGeom>
-        </p:spPr>
-        <p:txBody>
-          <a:bodyPr wrap="square" lIns="91425" tIns="91425" rIns="91425" bIns="91425" anchor="t" anchorCtr="0">
-            <a:noAutofit/>
-          </a:bodyPr>
-          <a:lstStyle/>
-          <a:p>
-            <a:pPr lvl="0" algn="l" rtl="0">
-              <a:lnSpc>
-                <a:spcPct val="115000"/>
-              </a:lnSpc>
-              <a:spcBef>
-                <a:spcPts val="0"/>
-              </a:spcBef>
-              <a:spcAft>
-                <a:spcPts val="1600"/>
-              </a:spcAft>
-              <a:buClr>
-                <a:schemeClr val="dk1"/>
-              </a:buClr>
-              <a:buSzPct val="61111"/>
-              <a:buFont typeface="Arial"/>
-              <a:buNone/>
-            </a:pPr>
-            <a:r>
-              <a:rPr lang="th" sz="1800">
-                <a:solidFill>
-                  <a:srgbClr val="FFFFFF"/>
-                </a:solidFill>
-                <a:latin typeface="AngsanaUPC"/>
-                <a:ea typeface="AngsanaUPC"/>
-                <a:cs typeface="AngsanaUPC"/>
-                <a:sym typeface="AngsanaUPC"/>
-              </a:rPr>
-              <a:t>ชื่อสินทรัพย์</a:t>
-            </a:r>
-          </a:p>
-          <a:p>
-            <a:pPr lvl="0" rtl="0">
-              <a:spcBef>
-                <a:spcPts val="0"/>
-              </a:spcBef>
-              <a:buNone/>
-            </a:pPr>
-            <a:endParaRPr/>
-          </a:p>
-        </p:txBody>
-      </p:sp>
-      <p:sp>
-        <p:nvSpPr>
-          <p:cNvPr id="557" name="Shape 557"/>
-          <p:cNvSpPr txBox="1">
-            <a:spLocks noGrp="1"/>
-          </p:cNvSpPr>
-          <p:nvPr>
-            <p:ph type="title"/>
-          </p:nvPr>
-        </p:nvSpPr>
-        <p:spPr>
-          <a:xfrm>
-            <a:off x="5984350" y="1979125"/>
-            <a:ext cx="1465500" cy="346500"/>
-          </a:xfrm>
-          <a:prstGeom prst="rect">
-            <a:avLst/>
-          </a:prstGeom>
-        </p:spPr>
-        <p:txBody>
-          <a:bodyPr wrap="square" lIns="91425" tIns="91425" rIns="91425" bIns="91425" anchor="t" anchorCtr="0">
-            <a:noAutofit/>
-          </a:bodyPr>
-          <a:lstStyle/>
-          <a:p>
-            <a:pPr lvl="0" algn="l" rtl="0">
-              <a:lnSpc>
-                <a:spcPct val="115000"/>
-              </a:lnSpc>
-              <a:spcBef>
-                <a:spcPts val="0"/>
-              </a:spcBef>
-              <a:spcAft>
-                <a:spcPts val="1600"/>
-              </a:spcAft>
-              <a:buClr>
-                <a:schemeClr val="dk1"/>
-              </a:buClr>
-              <a:buSzPct val="61111"/>
-              <a:buFont typeface="Arial"/>
-              <a:buNone/>
-            </a:pPr>
-            <a:r>
-              <a:rPr lang="th" sz="1800">
-                <a:solidFill>
-                  <a:srgbClr val="FFFFFF"/>
-                </a:solidFill>
-                <a:latin typeface="AngsanaUPC"/>
-                <a:ea typeface="AngsanaUPC"/>
-                <a:cs typeface="AngsanaUPC"/>
-                <a:sym typeface="AngsanaUPC"/>
-              </a:rPr>
-              <a:t>แผนก</a:t>
-            </a:r>
-          </a:p>
-          <a:p>
-            <a:pPr lvl="0" rtl="0">
-              <a:spcBef>
-                <a:spcPts val="0"/>
-              </a:spcBef>
-              <a:buNone/>
-            </a:pPr>
-            <a:endParaRPr/>
-          </a:p>
-        </p:txBody>
-      </p:sp>
-      <p:sp>
-        <p:nvSpPr>
-          <p:cNvPr id="558" name="Shape 558"/>
-          <p:cNvSpPr txBox="1">
-            <a:spLocks noGrp="1"/>
-          </p:cNvSpPr>
-          <p:nvPr>
-            <p:ph type="title"/>
-          </p:nvPr>
-        </p:nvSpPr>
-        <p:spPr>
-          <a:xfrm>
-            <a:off x="490900" y="2280638"/>
-            <a:ext cx="462000" cy="346500"/>
-          </a:xfrm>
-          <a:prstGeom prst="rect">
-            <a:avLst/>
-          </a:prstGeom>
-        </p:spPr>
-        <p:txBody>
-          <a:bodyPr wrap="square" lIns="91425" tIns="91425" rIns="91425" bIns="91425" anchor="t" anchorCtr="0">
-            <a:noAutofit/>
-          </a:bodyPr>
-          <a:lstStyle/>
-          <a:p>
-            <a:pPr lvl="0" algn="l" rtl="0">
-              <a:lnSpc>
-                <a:spcPct val="115000"/>
-              </a:lnSpc>
-              <a:spcBef>
-                <a:spcPts val="0"/>
-              </a:spcBef>
-              <a:spcAft>
-                <a:spcPts val="1600"/>
-              </a:spcAft>
-              <a:buClr>
-                <a:schemeClr val="dk1"/>
-              </a:buClr>
-              <a:buSzPct val="45833"/>
-              <a:buFont typeface="Arial"/>
-              <a:buNone/>
-            </a:pPr>
-            <a:r>
-              <a:rPr lang="th" sz="2400">
+              <a:rPr lang="th" sz="1800" b="1" dirty="0">
                 <a:solidFill>
                   <a:srgbClr val="000000"/>
                 </a:solidFill>
@@ -27147,306 +26536,6 @@
                 <a:cs typeface="AngsanaUPC"/>
                 <a:sym typeface="AngsanaUPC"/>
               </a:rPr>
-              <a:t>1</a:t>
-            </a:r>
-            <a:r>
-              <a:rPr lang="th" sz="2400">
-                <a:solidFill>
-                  <a:srgbClr val="FFFFFF"/>
-                </a:solidFill>
-                <a:latin typeface="AngsanaUPC"/>
-                <a:ea typeface="AngsanaUPC"/>
-                <a:cs typeface="AngsanaUPC"/>
-                <a:sym typeface="AngsanaUPC"/>
-              </a:rPr>
-              <a:t>.</a:t>
-            </a:r>
-          </a:p>
-          <a:p>
-            <a:pPr lvl="0" rtl="0">
-              <a:spcBef>
-                <a:spcPts val="0"/>
-              </a:spcBef>
-              <a:buNone/>
-            </a:pPr>
-            <a:endParaRPr/>
-          </a:p>
-        </p:txBody>
-      </p:sp>
-      <p:sp>
-        <p:nvSpPr>
-          <p:cNvPr id="559" name="Shape 559"/>
-          <p:cNvSpPr txBox="1">
-            <a:spLocks noGrp="1"/>
-          </p:cNvSpPr>
-          <p:nvPr>
-            <p:ph type="title"/>
-          </p:nvPr>
-        </p:nvSpPr>
-        <p:spPr>
-          <a:xfrm>
-            <a:off x="490900" y="2660463"/>
-            <a:ext cx="462000" cy="346500"/>
-          </a:xfrm>
-          <a:prstGeom prst="rect">
-            <a:avLst/>
-          </a:prstGeom>
-        </p:spPr>
-        <p:txBody>
-          <a:bodyPr wrap="square" lIns="91425" tIns="91425" rIns="91425" bIns="91425" anchor="t" anchorCtr="0">
-            <a:noAutofit/>
-          </a:bodyPr>
-          <a:lstStyle/>
-          <a:p>
-            <a:pPr lvl="0" algn="l" rtl="0">
-              <a:lnSpc>
-                <a:spcPct val="115000"/>
-              </a:lnSpc>
-              <a:spcBef>
-                <a:spcPts val="0"/>
-              </a:spcBef>
-              <a:spcAft>
-                <a:spcPts val="1600"/>
-              </a:spcAft>
-              <a:buClr>
-                <a:schemeClr val="dk1"/>
-              </a:buClr>
-              <a:buSzPct val="45833"/>
-              <a:buFont typeface="Arial"/>
-              <a:buNone/>
-            </a:pPr>
-            <a:r>
-              <a:rPr lang="th" sz="2400">
-                <a:solidFill>
-                  <a:srgbClr val="000000"/>
-                </a:solidFill>
-                <a:latin typeface="AngsanaUPC"/>
-                <a:ea typeface="AngsanaUPC"/>
-                <a:cs typeface="AngsanaUPC"/>
-                <a:sym typeface="AngsanaUPC"/>
-              </a:rPr>
-              <a:t>2</a:t>
-            </a:r>
-            <a:r>
-              <a:rPr lang="th" sz="2400">
-                <a:solidFill>
-                  <a:srgbClr val="FFFFFF"/>
-                </a:solidFill>
-                <a:latin typeface="AngsanaUPC"/>
-                <a:ea typeface="AngsanaUPC"/>
-                <a:cs typeface="AngsanaUPC"/>
-                <a:sym typeface="AngsanaUPC"/>
-              </a:rPr>
-              <a:t>.</a:t>
-            </a:r>
-          </a:p>
-          <a:p>
-            <a:pPr lvl="0" rtl="0">
-              <a:spcBef>
-                <a:spcPts val="0"/>
-              </a:spcBef>
-              <a:buNone/>
-            </a:pPr>
-            <a:endParaRPr/>
-          </a:p>
-        </p:txBody>
-      </p:sp>
-      <p:sp>
-        <p:nvSpPr>
-          <p:cNvPr id="560" name="Shape 560"/>
-          <p:cNvSpPr txBox="1">
-            <a:spLocks noGrp="1"/>
-          </p:cNvSpPr>
-          <p:nvPr>
-            <p:ph type="title"/>
-          </p:nvPr>
-        </p:nvSpPr>
-        <p:spPr>
-          <a:xfrm>
-            <a:off x="490900" y="3062788"/>
-            <a:ext cx="462000" cy="346500"/>
-          </a:xfrm>
-          <a:prstGeom prst="rect">
-            <a:avLst/>
-          </a:prstGeom>
-        </p:spPr>
-        <p:txBody>
-          <a:bodyPr wrap="square" lIns="91425" tIns="91425" rIns="91425" bIns="91425" anchor="t" anchorCtr="0">
-            <a:noAutofit/>
-          </a:bodyPr>
-          <a:lstStyle/>
-          <a:p>
-            <a:pPr lvl="0" algn="l" rtl="0">
-              <a:lnSpc>
-                <a:spcPct val="115000"/>
-              </a:lnSpc>
-              <a:spcBef>
-                <a:spcPts val="0"/>
-              </a:spcBef>
-              <a:spcAft>
-                <a:spcPts val="1600"/>
-              </a:spcAft>
-              <a:buClr>
-                <a:schemeClr val="dk1"/>
-              </a:buClr>
-              <a:buSzPct val="45833"/>
-              <a:buFont typeface="Arial"/>
-              <a:buNone/>
-            </a:pPr>
-            <a:r>
-              <a:rPr lang="th" sz="2400">
-                <a:solidFill>
-                  <a:srgbClr val="000000"/>
-                </a:solidFill>
-                <a:latin typeface="AngsanaUPC"/>
-                <a:ea typeface="AngsanaUPC"/>
-                <a:cs typeface="AngsanaUPC"/>
-                <a:sym typeface="AngsanaUPC"/>
-              </a:rPr>
-              <a:t>3</a:t>
-            </a:r>
-            <a:r>
-              <a:rPr lang="th" sz="2400">
-                <a:solidFill>
-                  <a:srgbClr val="FFFFFF"/>
-                </a:solidFill>
-                <a:latin typeface="AngsanaUPC"/>
-                <a:ea typeface="AngsanaUPC"/>
-                <a:cs typeface="AngsanaUPC"/>
-                <a:sym typeface="AngsanaUPC"/>
-              </a:rPr>
-              <a:t>.</a:t>
-            </a:r>
-          </a:p>
-          <a:p>
-            <a:pPr lvl="0" rtl="0">
-              <a:spcBef>
-                <a:spcPts val="0"/>
-              </a:spcBef>
-              <a:buNone/>
-            </a:pPr>
-            <a:endParaRPr/>
-          </a:p>
-        </p:txBody>
-      </p:sp>
-      <p:sp>
-        <p:nvSpPr>
-          <p:cNvPr id="561" name="Shape 561"/>
-          <p:cNvSpPr txBox="1">
-            <a:spLocks noGrp="1"/>
-          </p:cNvSpPr>
-          <p:nvPr>
-            <p:ph type="title"/>
-          </p:nvPr>
-        </p:nvSpPr>
-        <p:spPr>
-          <a:xfrm>
-            <a:off x="235500" y="613175"/>
-            <a:ext cx="1465500" cy="346500"/>
-          </a:xfrm>
-          <a:prstGeom prst="rect">
-            <a:avLst/>
-          </a:prstGeom>
-        </p:spPr>
-        <p:txBody>
-          <a:bodyPr wrap="square" lIns="91425" tIns="91425" rIns="91425" bIns="91425" anchor="t" anchorCtr="0">
-            <a:noAutofit/>
-          </a:bodyPr>
-          <a:lstStyle/>
-          <a:p>
-            <a:pPr lvl="0" algn="ctr" rtl="0">
-              <a:lnSpc>
-                <a:spcPct val="115000"/>
-              </a:lnSpc>
-              <a:spcBef>
-                <a:spcPts val="0"/>
-              </a:spcBef>
-              <a:spcAft>
-                <a:spcPts val="1600"/>
-              </a:spcAft>
-              <a:buClr>
-                <a:schemeClr val="dk1"/>
-              </a:buClr>
-              <a:buSzPct val="61111"/>
-              <a:buFont typeface="Arial"/>
-              <a:buNone/>
-            </a:pPr>
-            <a:r>
-              <a:rPr lang="th" sz="1800">
-                <a:solidFill>
-                  <a:srgbClr val="000000"/>
-                </a:solidFill>
-                <a:latin typeface="AngsanaUPC"/>
-                <a:ea typeface="AngsanaUPC"/>
-                <a:cs typeface="AngsanaUPC"/>
-                <a:sym typeface="AngsanaUPC"/>
-              </a:rPr>
-              <a:t>เลขที่ 1/22222</a:t>
-            </a:r>
-          </a:p>
-          <a:p>
-            <a:pPr lvl="0" rtl="0">
-              <a:spcBef>
-                <a:spcPts val="0"/>
-              </a:spcBef>
-              <a:buNone/>
-            </a:pPr>
-            <a:endParaRPr/>
-          </a:p>
-        </p:txBody>
-      </p:sp>
-      <p:sp>
-        <p:nvSpPr>
-          <p:cNvPr id="562" name="Shape 562"/>
-          <p:cNvSpPr txBox="1">
-            <a:spLocks noGrp="1"/>
-          </p:cNvSpPr>
-          <p:nvPr>
-            <p:ph type="title"/>
-          </p:nvPr>
-        </p:nvSpPr>
-        <p:spPr>
-          <a:xfrm>
-            <a:off x="7373650" y="613175"/>
-            <a:ext cx="1465500" cy="346500"/>
-          </a:xfrm>
-          <a:prstGeom prst="rect">
-            <a:avLst/>
-          </a:prstGeom>
-        </p:spPr>
-        <p:txBody>
-          <a:bodyPr wrap="square" lIns="91425" tIns="91425" rIns="91425" bIns="91425" anchor="t" anchorCtr="0">
-            <a:noAutofit/>
-          </a:bodyPr>
-          <a:lstStyle/>
-          <a:p>
-            <a:pPr lvl="0" algn="ctr" rtl="0">
-              <a:lnSpc>
-                <a:spcPct val="115000"/>
-              </a:lnSpc>
-              <a:spcBef>
-                <a:spcPts val="0"/>
-              </a:spcBef>
-              <a:spcAft>
-                <a:spcPts val="1600"/>
-              </a:spcAft>
-              <a:buClr>
-                <a:schemeClr val="dk1"/>
-              </a:buClr>
-              <a:buSzPct val="61111"/>
-              <a:buFont typeface="Arial"/>
-              <a:buNone/>
-            </a:pPr>
-            <a:r>
-              <a:rPr lang="th" sz="1800">
-                <a:solidFill>
-                  <a:srgbClr val="000000"/>
-                </a:solidFill>
-                <a:latin typeface="AngsanaUPC"/>
-                <a:ea typeface="AngsanaUPC"/>
-                <a:cs typeface="AngsanaUPC"/>
-                <a:sym typeface="AngsanaUPC"/>
-              </a:rPr>
               <a:t>วัน /เดือน/ปี</a:t>
             </a:r>
           </a:p>
@@ -27457,73 +26546,7 @@
               </a:spcBef>
               <a:buNone/>
             </a:pPr>
-            <a:endParaRPr/>
-          </a:p>
-        </p:txBody>
-      </p:sp>
-      <p:sp>
-        <p:nvSpPr>
-          <p:cNvPr id="563" name="Shape 563"/>
-          <p:cNvSpPr txBox="1">
-            <a:spLocks noGrp="1"/>
-          </p:cNvSpPr>
-          <p:nvPr>
-            <p:ph type="title"/>
-          </p:nvPr>
-        </p:nvSpPr>
-        <p:spPr>
-          <a:xfrm>
-            <a:off x="7732500" y="1902938"/>
-            <a:ext cx="1465500" cy="346500"/>
-          </a:xfrm>
-          <a:prstGeom prst="rect">
-            <a:avLst/>
-          </a:prstGeom>
-        </p:spPr>
-        <p:txBody>
-          <a:bodyPr wrap="square" lIns="91425" tIns="91425" rIns="91425" bIns="91425" anchor="t" anchorCtr="0">
-            <a:noAutofit/>
-          </a:bodyPr>
-          <a:lstStyle/>
-          <a:p>
-            <a:pPr lvl="0" algn="l" rtl="0">
-              <a:lnSpc>
-                <a:spcPct val="115000"/>
-              </a:lnSpc>
-              <a:spcBef>
-                <a:spcPts val="0"/>
-              </a:spcBef>
-              <a:spcAft>
-                <a:spcPts val="1600"/>
-              </a:spcAft>
-              <a:buClr>
-                <a:schemeClr val="dk1"/>
-              </a:buClr>
-              <a:buSzPct val="61111"/>
-              <a:buFont typeface="Arial"/>
-              <a:buNone/>
-            </a:pPr>
-            <a:r>
-              <a:rPr lang="th" sz="1800">
-                <a:solidFill>
-                  <a:srgbClr val="FFFFFF"/>
-                </a:solidFill>
-                <a:latin typeface="AngsanaUPC"/>
-                <a:ea typeface="AngsanaUPC"/>
-                <a:cs typeface="AngsanaUPC"/>
-                <a:sym typeface="AngsanaUPC"/>
-              </a:rPr>
-              <a:t>จำนวน</a:t>
-            </a:r>
-          </a:p>
-          <a:p>
-            <a:pPr lvl="0" rtl="0">
-              <a:spcBef>
-                <a:spcPts val="0"/>
-              </a:spcBef>
-              <a:buNone/>
-            </a:pPr>
-            <a:endParaRPr/>
+            <a:endParaRPr dirty="0"/>
           </a:p>
         </p:txBody>
       </p:sp>
@@ -27537,8 +26560,8 @@
         </p:nvSpPr>
         <p:spPr>
           <a:xfrm>
-            <a:off x="335650" y="4753425"/>
-            <a:ext cx="924900" cy="313200"/>
+            <a:off x="8106400" y="4633645"/>
+            <a:ext cx="845878" cy="289142"/>
           </a:xfrm>
           <a:prstGeom prst="roundRect">
             <a:avLst>
@@ -27571,21 +26594,1434 @@
               <a:buNone/>
             </a:pPr>
             <a:r>
-              <a:rPr lang="th" dirty="0">
+              <a:rPr lang="th-TH" dirty="0" smtClean="0">
                 <a:solidFill>
                   <a:srgbClr val="FFFFFF"/>
                 </a:solidFill>
               </a:rPr>
-              <a:t>หน้าหลัก</a:t>
-            </a:r>
+              <a:t>พิมพ์</a:t>
+            </a:r>
+            <a:endParaRPr lang="th" dirty="0">
+              <a:solidFill>
+                <a:srgbClr val="FFFFFF"/>
+              </a:solidFill>
+            </a:endParaRPr>
+          </a:p>
+        </p:txBody>
+      </p:sp>
+      <p:graphicFrame>
+        <p:nvGraphicFramePr>
+          <p:cNvPr id="31" name="ตาราง 30"/>
+          <p:cNvGraphicFramePr>
+            <a:graphicFrameLocks noGrp="1"/>
+          </p:cNvGraphicFramePr>
+          <p:nvPr>
+            <p:extLst>
+              <p:ext uri="{D42A27DB-BD31-4B8C-83A1-F6EECF244321}">
+                <p14:modId xmlns:p14="http://schemas.microsoft.com/office/powerpoint/2010/main" val="1498510395"/>
+              </p:ext>
+            </p:extLst>
+          </p:nvPr>
+        </p:nvGraphicFramePr>
+        <p:xfrm>
+          <a:off x="143842" y="2169935"/>
+          <a:ext cx="8856320" cy="2248532"/>
+        </p:xfrm>
+        <a:graphic>
+          <a:graphicData uri="http://schemas.openxmlformats.org/drawingml/2006/table">
+            <a:tbl>
+              <a:tblPr firstRow="1" bandRow="1">
+                <a:tableStyleId>{5C22544A-7EE6-4342-B048-85BDC9FD1C3A}</a:tableStyleId>
+              </a:tblPr>
+              <a:tblGrid>
+                <a:gridCol w="885632"/>
+                <a:gridCol w="885632"/>
+                <a:gridCol w="885632"/>
+                <a:gridCol w="885632"/>
+                <a:gridCol w="885632"/>
+                <a:gridCol w="885632"/>
+                <a:gridCol w="885632"/>
+                <a:gridCol w="885632"/>
+                <a:gridCol w="885632"/>
+                <a:gridCol w="885632"/>
+              </a:tblGrid>
+              <a:tr h="295863">
+                <a:tc>
+                  <a:txBody>
+                    <a:bodyPr/>
+                    <a:lstStyle/>
+                    <a:p>
+                      <a:pPr algn="ctr"/>
+                      <a:r>
+                        <a:rPr lang="th-TH" sz="1800" b="1" dirty="0" smtClean="0">
+                          <a:solidFill>
+                            <a:schemeClr val="tx1"/>
+                          </a:solidFill>
+                          <a:cs typeface="+mj-cs"/>
+                        </a:rPr>
+                        <a:t>รูป</a:t>
+                      </a:r>
+                      <a:endParaRPr lang="en-US" sz="1800" b="1" dirty="0">
+                        <a:solidFill>
+                          <a:schemeClr val="tx1"/>
+                        </a:solidFill>
+                        <a:cs typeface="+mj-cs"/>
+                      </a:endParaRPr>
+                    </a:p>
+                  </a:txBody>
+                  <a:tcPr anchor="ctr">
+                    <a:solidFill>
+                      <a:srgbClr val="F292B4"/>
+                    </a:solidFill>
+                  </a:tcPr>
+                </a:tc>
+                <a:tc>
+                  <a:txBody>
+                    <a:bodyPr/>
+                    <a:lstStyle/>
+                    <a:p>
+                      <a:pPr algn="ctr"/>
+                      <a:r>
+                        <a:rPr lang="th-TH" sz="1800" b="1" dirty="0" smtClean="0">
+                          <a:solidFill>
+                            <a:schemeClr val="tx1"/>
+                          </a:solidFill>
+                          <a:cs typeface="+mj-cs"/>
+                        </a:rPr>
+                        <a:t>ชื่อวัสดุ</a:t>
+                      </a:r>
+                      <a:endParaRPr lang="en-US" sz="1800" b="1" dirty="0">
+                        <a:solidFill>
+                          <a:schemeClr val="tx1"/>
+                        </a:solidFill>
+                        <a:cs typeface="+mj-cs"/>
+                      </a:endParaRPr>
+                    </a:p>
+                  </a:txBody>
+                  <a:tcPr anchor="ctr">
+                    <a:solidFill>
+                      <a:srgbClr val="F292B4"/>
+                    </a:solidFill>
+                  </a:tcPr>
+                </a:tc>
+                <a:tc>
+                  <a:txBody>
+                    <a:bodyPr/>
+                    <a:lstStyle/>
+                    <a:p>
+                      <a:pPr algn="ctr"/>
+                      <a:r>
+                        <a:rPr lang="th-TH" sz="1800" b="1" dirty="0" smtClean="0">
+                          <a:solidFill>
+                            <a:schemeClr val="tx1"/>
+                          </a:solidFill>
+                          <a:cs typeface="+mj-cs"/>
+                        </a:rPr>
+                        <a:t>รุ่น</a:t>
+                      </a:r>
+                      <a:r>
+                        <a:rPr lang="en-US" sz="1800" b="1" dirty="0" smtClean="0">
+                          <a:solidFill>
+                            <a:schemeClr val="tx1"/>
+                          </a:solidFill>
+                          <a:cs typeface="+mj-cs"/>
+                        </a:rPr>
+                        <a:t>/</a:t>
+                      </a:r>
+                      <a:r>
+                        <a:rPr lang="th-TH" sz="1800" b="1" dirty="0" smtClean="0">
+                          <a:solidFill>
+                            <a:schemeClr val="tx1"/>
+                          </a:solidFill>
+                          <a:cs typeface="+mj-cs"/>
+                        </a:rPr>
+                        <a:t>ยี่ห้อ</a:t>
+                      </a:r>
+                      <a:endParaRPr lang="en-US" sz="1800" b="1" dirty="0">
+                        <a:solidFill>
+                          <a:schemeClr val="tx1"/>
+                        </a:solidFill>
+                        <a:cs typeface="+mj-cs"/>
+                      </a:endParaRPr>
+                    </a:p>
+                  </a:txBody>
+                  <a:tcPr anchor="ctr">
+                    <a:solidFill>
+                      <a:srgbClr val="F292B4"/>
+                    </a:solidFill>
+                  </a:tcPr>
+                </a:tc>
+                <a:tc>
+                  <a:txBody>
+                    <a:bodyPr/>
+                    <a:lstStyle/>
+                    <a:p>
+                      <a:pPr algn="ctr"/>
+                      <a:r>
+                        <a:rPr lang="th-TH" sz="1800" b="1" dirty="0" smtClean="0">
+                          <a:solidFill>
+                            <a:schemeClr val="tx1"/>
+                          </a:solidFill>
+                          <a:cs typeface="+mj-cs"/>
+                        </a:rPr>
+                        <a:t>ประเภท</a:t>
+                      </a:r>
+                      <a:endParaRPr lang="en-US" sz="1800" b="1" dirty="0">
+                        <a:solidFill>
+                          <a:schemeClr val="tx1"/>
+                        </a:solidFill>
+                        <a:cs typeface="+mj-cs"/>
+                      </a:endParaRPr>
+                    </a:p>
+                  </a:txBody>
+                  <a:tcPr anchor="ctr">
+                    <a:solidFill>
+                      <a:srgbClr val="F292B4"/>
+                    </a:solidFill>
+                  </a:tcPr>
+                </a:tc>
+                <a:tc>
+                  <a:txBody>
+                    <a:bodyPr/>
+                    <a:lstStyle/>
+                    <a:p>
+                      <a:pPr algn="ctr"/>
+                      <a:r>
+                        <a:rPr lang="th-TH" sz="1800" b="1" dirty="0" smtClean="0">
+                          <a:solidFill>
+                            <a:schemeClr val="tx1"/>
+                          </a:solidFill>
+                          <a:cs typeface="+mj-cs"/>
+                        </a:rPr>
+                        <a:t>ราคา</a:t>
+                      </a:r>
+                      <a:endParaRPr lang="en-US" sz="1800" b="1" dirty="0">
+                        <a:solidFill>
+                          <a:schemeClr val="tx1"/>
+                        </a:solidFill>
+                        <a:cs typeface="+mj-cs"/>
+                      </a:endParaRPr>
+                    </a:p>
+                  </a:txBody>
+                  <a:tcPr anchor="ctr">
+                    <a:solidFill>
+                      <a:srgbClr val="F292B4"/>
+                    </a:solidFill>
+                  </a:tcPr>
+                </a:tc>
+                <a:tc>
+                  <a:txBody>
+                    <a:bodyPr/>
+                    <a:lstStyle/>
+                    <a:p>
+                      <a:pPr algn="ctr"/>
+                      <a:r>
+                        <a:rPr lang="th-TH" sz="1800" b="1" dirty="0" smtClean="0">
+                          <a:solidFill>
+                            <a:schemeClr val="tx1"/>
+                          </a:solidFill>
+                          <a:cs typeface="+mj-cs"/>
+                        </a:rPr>
+                        <a:t>ผู้ขอเบิก</a:t>
+                      </a:r>
+                      <a:endParaRPr lang="en-US" sz="1800" b="1" dirty="0">
+                        <a:solidFill>
+                          <a:schemeClr val="tx1"/>
+                        </a:solidFill>
+                        <a:cs typeface="+mj-cs"/>
+                      </a:endParaRPr>
+                    </a:p>
+                  </a:txBody>
+                  <a:tcPr anchor="ctr">
+                    <a:solidFill>
+                      <a:srgbClr val="F292B4"/>
+                    </a:solidFill>
+                  </a:tcPr>
+                </a:tc>
+                <a:tc>
+                  <a:txBody>
+                    <a:bodyPr/>
+                    <a:lstStyle/>
+                    <a:p>
+                      <a:pPr algn="ctr"/>
+                      <a:r>
+                        <a:rPr lang="th-TH" sz="1800" b="1" dirty="0" smtClean="0">
+                          <a:solidFill>
+                            <a:schemeClr val="tx1"/>
+                          </a:solidFill>
+                          <a:cs typeface="+mj-cs"/>
+                        </a:rPr>
+                        <a:t>วันที่ซื้อ</a:t>
+                      </a:r>
+                      <a:endParaRPr lang="en-US" sz="1800" b="1" dirty="0">
+                        <a:solidFill>
+                          <a:schemeClr val="tx1"/>
+                        </a:solidFill>
+                        <a:cs typeface="+mj-cs"/>
+                      </a:endParaRPr>
+                    </a:p>
+                  </a:txBody>
+                  <a:tcPr anchor="ctr">
+                    <a:solidFill>
+                      <a:srgbClr val="F292B4"/>
+                    </a:solidFill>
+                  </a:tcPr>
+                </a:tc>
+                <a:tc>
+                  <a:txBody>
+                    <a:bodyPr/>
+                    <a:lstStyle/>
+                    <a:p>
+                      <a:pPr algn="ctr"/>
+                      <a:r>
+                        <a:rPr lang="th-TH" sz="1800" b="1" dirty="0" smtClean="0">
+                          <a:solidFill>
+                            <a:schemeClr val="tx1"/>
+                          </a:solidFill>
+                          <a:cs typeface="+mj-cs"/>
+                        </a:rPr>
+                        <a:t>จำนวน</a:t>
+                      </a:r>
+                      <a:endParaRPr lang="en-US" sz="1800" b="1" dirty="0">
+                        <a:solidFill>
+                          <a:schemeClr val="tx1"/>
+                        </a:solidFill>
+                        <a:cs typeface="+mj-cs"/>
+                      </a:endParaRPr>
+                    </a:p>
+                  </a:txBody>
+                  <a:tcPr anchor="ctr">
+                    <a:solidFill>
+                      <a:srgbClr val="F292B4"/>
+                    </a:solidFill>
+                  </a:tcPr>
+                </a:tc>
+                <a:tc>
+                  <a:txBody>
+                    <a:bodyPr/>
+                    <a:lstStyle/>
+                    <a:p>
+                      <a:pPr algn="ctr"/>
+                      <a:r>
+                        <a:rPr lang="th-TH" sz="1800" b="1" dirty="0" smtClean="0">
+                          <a:solidFill>
+                            <a:schemeClr val="tx1"/>
+                          </a:solidFill>
+                          <a:cs typeface="+mj-cs"/>
+                        </a:rPr>
+                        <a:t>ซื้อจาก</a:t>
+                      </a:r>
+                      <a:endParaRPr lang="en-US" sz="1800" b="1" dirty="0">
+                        <a:solidFill>
+                          <a:schemeClr val="tx1"/>
+                        </a:solidFill>
+                        <a:cs typeface="+mj-cs"/>
+                      </a:endParaRPr>
+                    </a:p>
+                  </a:txBody>
+                  <a:tcPr anchor="ctr">
+                    <a:solidFill>
+                      <a:srgbClr val="F292B4"/>
+                    </a:solidFill>
+                  </a:tcPr>
+                </a:tc>
+                <a:tc>
+                  <a:txBody>
+                    <a:bodyPr/>
+                    <a:lstStyle/>
+                    <a:p>
+                      <a:pPr algn="ctr"/>
+                      <a:r>
+                        <a:rPr lang="th-TH" sz="1800" b="1" dirty="0" smtClean="0">
+                          <a:solidFill>
+                            <a:schemeClr val="tx1"/>
+                          </a:solidFill>
+                          <a:cs typeface="+mj-cs"/>
+                        </a:rPr>
+                        <a:t>คงเหลือ</a:t>
+                      </a:r>
+                      <a:endParaRPr lang="en-US" sz="1800" b="1" dirty="0">
+                        <a:solidFill>
+                          <a:schemeClr val="tx1"/>
+                        </a:solidFill>
+                        <a:cs typeface="+mj-cs"/>
+                      </a:endParaRPr>
+                    </a:p>
+                  </a:txBody>
+                  <a:tcPr anchor="ctr">
+                    <a:solidFill>
+                      <a:srgbClr val="F292B4"/>
+                    </a:solidFill>
+                  </a:tcPr>
+                </a:tc>
+              </a:tr>
+              <a:tr h="470693">
+                <a:tc>
+                  <a:txBody>
+                    <a:bodyPr/>
+                    <a:lstStyle/>
+                    <a:p>
+                      <a:endParaRPr lang="en-US" dirty="0"/>
+                    </a:p>
+                  </a:txBody>
+                  <a:tcPr>
+                    <a:solidFill>
+                      <a:schemeClr val="bg1">
+                        <a:lumMod val="85000"/>
+                      </a:schemeClr>
+                    </a:solidFill>
+                  </a:tcPr>
+                </a:tc>
+                <a:tc>
+                  <a:txBody>
+                    <a:bodyPr/>
+                    <a:lstStyle/>
+                    <a:p>
+                      <a:endParaRPr lang="en-US" dirty="0"/>
+                    </a:p>
+                  </a:txBody>
+                  <a:tcPr>
+                    <a:solidFill>
+                      <a:schemeClr val="bg1">
+                        <a:lumMod val="85000"/>
+                      </a:schemeClr>
+                    </a:solidFill>
+                  </a:tcPr>
+                </a:tc>
+                <a:tc>
+                  <a:txBody>
+                    <a:bodyPr/>
+                    <a:lstStyle/>
+                    <a:p>
+                      <a:endParaRPr lang="en-US" dirty="0"/>
+                    </a:p>
+                  </a:txBody>
+                  <a:tcPr>
+                    <a:solidFill>
+                      <a:schemeClr val="bg1">
+                        <a:lumMod val="85000"/>
+                      </a:schemeClr>
+                    </a:solidFill>
+                  </a:tcPr>
+                </a:tc>
+                <a:tc>
+                  <a:txBody>
+                    <a:bodyPr/>
+                    <a:lstStyle/>
+                    <a:p>
+                      <a:endParaRPr lang="en-US" dirty="0"/>
+                    </a:p>
+                  </a:txBody>
+                  <a:tcPr>
+                    <a:solidFill>
+                      <a:schemeClr val="bg1">
+                        <a:lumMod val="85000"/>
+                      </a:schemeClr>
+                    </a:solidFill>
+                  </a:tcPr>
+                </a:tc>
+                <a:tc>
+                  <a:txBody>
+                    <a:bodyPr/>
+                    <a:lstStyle/>
+                    <a:p>
+                      <a:endParaRPr lang="en-US" dirty="0"/>
+                    </a:p>
+                  </a:txBody>
+                  <a:tcPr>
+                    <a:solidFill>
+                      <a:schemeClr val="bg1">
+                        <a:lumMod val="85000"/>
+                      </a:schemeClr>
+                    </a:solidFill>
+                  </a:tcPr>
+                </a:tc>
+                <a:tc>
+                  <a:txBody>
+                    <a:bodyPr/>
+                    <a:lstStyle/>
+                    <a:p>
+                      <a:endParaRPr lang="en-US"/>
+                    </a:p>
+                  </a:txBody>
+                  <a:tcPr>
+                    <a:solidFill>
+                      <a:schemeClr val="bg1">
+                        <a:lumMod val="85000"/>
+                      </a:schemeClr>
+                    </a:solidFill>
+                  </a:tcPr>
+                </a:tc>
+                <a:tc>
+                  <a:txBody>
+                    <a:bodyPr/>
+                    <a:lstStyle/>
+                    <a:p>
+                      <a:endParaRPr lang="en-US" dirty="0"/>
+                    </a:p>
+                  </a:txBody>
+                  <a:tcPr>
+                    <a:solidFill>
+                      <a:schemeClr val="bg1">
+                        <a:lumMod val="85000"/>
+                      </a:schemeClr>
+                    </a:solidFill>
+                  </a:tcPr>
+                </a:tc>
+                <a:tc>
+                  <a:txBody>
+                    <a:bodyPr/>
+                    <a:lstStyle/>
+                    <a:p>
+                      <a:endParaRPr lang="en-US"/>
+                    </a:p>
+                  </a:txBody>
+                  <a:tcPr>
+                    <a:solidFill>
+                      <a:schemeClr val="bg1">
+                        <a:lumMod val="85000"/>
+                      </a:schemeClr>
+                    </a:solidFill>
+                  </a:tcPr>
+                </a:tc>
+                <a:tc>
+                  <a:txBody>
+                    <a:bodyPr/>
+                    <a:lstStyle/>
+                    <a:p>
+                      <a:endParaRPr lang="en-US"/>
+                    </a:p>
+                  </a:txBody>
+                  <a:tcPr>
+                    <a:solidFill>
+                      <a:schemeClr val="bg1">
+                        <a:lumMod val="85000"/>
+                      </a:schemeClr>
+                    </a:solidFill>
+                  </a:tcPr>
+                </a:tc>
+                <a:tc>
+                  <a:txBody>
+                    <a:bodyPr/>
+                    <a:lstStyle/>
+                    <a:p>
+                      <a:endParaRPr lang="en-US"/>
+                    </a:p>
+                  </a:txBody>
+                  <a:tcPr>
+                    <a:solidFill>
+                      <a:schemeClr val="bg1">
+                        <a:lumMod val="85000"/>
+                      </a:schemeClr>
+                    </a:solidFill>
+                  </a:tcPr>
+                </a:tc>
+              </a:tr>
+              <a:tr h="470693">
+                <a:tc>
+                  <a:txBody>
+                    <a:bodyPr/>
+                    <a:lstStyle/>
+                    <a:p>
+                      <a:endParaRPr lang="en-US"/>
+                    </a:p>
+                  </a:txBody>
+                  <a:tcPr>
+                    <a:solidFill>
+                      <a:schemeClr val="bg1">
+                        <a:lumMod val="85000"/>
+                      </a:schemeClr>
+                    </a:solidFill>
+                  </a:tcPr>
+                </a:tc>
+                <a:tc>
+                  <a:txBody>
+                    <a:bodyPr/>
+                    <a:lstStyle/>
+                    <a:p>
+                      <a:endParaRPr lang="en-US"/>
+                    </a:p>
+                  </a:txBody>
+                  <a:tcPr>
+                    <a:solidFill>
+                      <a:schemeClr val="bg1">
+                        <a:lumMod val="85000"/>
+                      </a:schemeClr>
+                    </a:solidFill>
+                  </a:tcPr>
+                </a:tc>
+                <a:tc>
+                  <a:txBody>
+                    <a:bodyPr/>
+                    <a:lstStyle/>
+                    <a:p>
+                      <a:endParaRPr lang="en-US"/>
+                    </a:p>
+                  </a:txBody>
+                  <a:tcPr>
+                    <a:solidFill>
+                      <a:schemeClr val="bg1">
+                        <a:lumMod val="85000"/>
+                      </a:schemeClr>
+                    </a:solidFill>
+                  </a:tcPr>
+                </a:tc>
+                <a:tc>
+                  <a:txBody>
+                    <a:bodyPr/>
+                    <a:lstStyle/>
+                    <a:p>
+                      <a:endParaRPr lang="en-US"/>
+                    </a:p>
+                  </a:txBody>
+                  <a:tcPr>
+                    <a:solidFill>
+                      <a:schemeClr val="bg1">
+                        <a:lumMod val="85000"/>
+                      </a:schemeClr>
+                    </a:solidFill>
+                  </a:tcPr>
+                </a:tc>
+                <a:tc>
+                  <a:txBody>
+                    <a:bodyPr/>
+                    <a:lstStyle/>
+                    <a:p>
+                      <a:endParaRPr lang="en-US" dirty="0"/>
+                    </a:p>
+                  </a:txBody>
+                  <a:tcPr>
+                    <a:solidFill>
+                      <a:schemeClr val="bg1">
+                        <a:lumMod val="85000"/>
+                      </a:schemeClr>
+                    </a:solidFill>
+                  </a:tcPr>
+                </a:tc>
+                <a:tc>
+                  <a:txBody>
+                    <a:bodyPr/>
+                    <a:lstStyle/>
+                    <a:p>
+                      <a:endParaRPr lang="en-US" dirty="0"/>
+                    </a:p>
+                  </a:txBody>
+                  <a:tcPr>
+                    <a:solidFill>
+                      <a:schemeClr val="bg1">
+                        <a:lumMod val="85000"/>
+                      </a:schemeClr>
+                    </a:solidFill>
+                  </a:tcPr>
+                </a:tc>
+                <a:tc>
+                  <a:txBody>
+                    <a:bodyPr/>
+                    <a:lstStyle/>
+                    <a:p>
+                      <a:endParaRPr lang="en-US" dirty="0"/>
+                    </a:p>
+                  </a:txBody>
+                  <a:tcPr>
+                    <a:solidFill>
+                      <a:schemeClr val="bg1">
+                        <a:lumMod val="85000"/>
+                      </a:schemeClr>
+                    </a:solidFill>
+                  </a:tcPr>
+                </a:tc>
+                <a:tc>
+                  <a:txBody>
+                    <a:bodyPr/>
+                    <a:lstStyle/>
+                    <a:p>
+                      <a:endParaRPr lang="en-US" dirty="0"/>
+                    </a:p>
+                  </a:txBody>
+                  <a:tcPr>
+                    <a:solidFill>
+                      <a:schemeClr val="bg1">
+                        <a:lumMod val="85000"/>
+                      </a:schemeClr>
+                    </a:solidFill>
+                  </a:tcPr>
+                </a:tc>
+                <a:tc>
+                  <a:txBody>
+                    <a:bodyPr/>
+                    <a:lstStyle/>
+                    <a:p>
+                      <a:endParaRPr lang="en-US"/>
+                    </a:p>
+                  </a:txBody>
+                  <a:tcPr>
+                    <a:solidFill>
+                      <a:schemeClr val="bg1">
+                        <a:lumMod val="85000"/>
+                      </a:schemeClr>
+                    </a:solidFill>
+                  </a:tcPr>
+                </a:tc>
+                <a:tc>
+                  <a:txBody>
+                    <a:bodyPr/>
+                    <a:lstStyle/>
+                    <a:p>
+                      <a:endParaRPr lang="en-US" dirty="0"/>
+                    </a:p>
+                  </a:txBody>
+                  <a:tcPr>
+                    <a:solidFill>
+                      <a:schemeClr val="bg1">
+                        <a:lumMod val="85000"/>
+                      </a:schemeClr>
+                    </a:solidFill>
+                  </a:tcPr>
+                </a:tc>
+              </a:tr>
+              <a:tr h="470693">
+                <a:tc>
+                  <a:txBody>
+                    <a:bodyPr/>
+                    <a:lstStyle/>
+                    <a:p>
+                      <a:endParaRPr lang="en-US"/>
+                    </a:p>
+                  </a:txBody>
+                  <a:tcPr>
+                    <a:solidFill>
+                      <a:schemeClr val="bg1">
+                        <a:lumMod val="85000"/>
+                      </a:schemeClr>
+                    </a:solidFill>
+                  </a:tcPr>
+                </a:tc>
+                <a:tc>
+                  <a:txBody>
+                    <a:bodyPr/>
+                    <a:lstStyle/>
+                    <a:p>
+                      <a:endParaRPr lang="en-US"/>
+                    </a:p>
+                  </a:txBody>
+                  <a:tcPr>
+                    <a:solidFill>
+                      <a:schemeClr val="bg1">
+                        <a:lumMod val="85000"/>
+                      </a:schemeClr>
+                    </a:solidFill>
+                  </a:tcPr>
+                </a:tc>
+                <a:tc>
+                  <a:txBody>
+                    <a:bodyPr/>
+                    <a:lstStyle/>
+                    <a:p>
+                      <a:endParaRPr lang="en-US"/>
+                    </a:p>
+                  </a:txBody>
+                  <a:tcPr>
+                    <a:solidFill>
+                      <a:schemeClr val="bg1">
+                        <a:lumMod val="85000"/>
+                      </a:schemeClr>
+                    </a:solidFill>
+                  </a:tcPr>
+                </a:tc>
+                <a:tc>
+                  <a:txBody>
+                    <a:bodyPr/>
+                    <a:lstStyle/>
+                    <a:p>
+                      <a:endParaRPr lang="en-US"/>
+                    </a:p>
+                  </a:txBody>
+                  <a:tcPr>
+                    <a:solidFill>
+                      <a:schemeClr val="bg1">
+                        <a:lumMod val="85000"/>
+                      </a:schemeClr>
+                    </a:solidFill>
+                  </a:tcPr>
+                </a:tc>
+                <a:tc>
+                  <a:txBody>
+                    <a:bodyPr/>
+                    <a:lstStyle/>
+                    <a:p>
+                      <a:endParaRPr lang="en-US"/>
+                    </a:p>
+                  </a:txBody>
+                  <a:tcPr>
+                    <a:solidFill>
+                      <a:schemeClr val="bg1">
+                        <a:lumMod val="85000"/>
+                      </a:schemeClr>
+                    </a:solidFill>
+                  </a:tcPr>
+                </a:tc>
+                <a:tc>
+                  <a:txBody>
+                    <a:bodyPr/>
+                    <a:lstStyle/>
+                    <a:p>
+                      <a:endParaRPr lang="en-US"/>
+                    </a:p>
+                  </a:txBody>
+                  <a:tcPr>
+                    <a:solidFill>
+                      <a:schemeClr val="bg1">
+                        <a:lumMod val="85000"/>
+                      </a:schemeClr>
+                    </a:solidFill>
+                  </a:tcPr>
+                </a:tc>
+                <a:tc>
+                  <a:txBody>
+                    <a:bodyPr/>
+                    <a:lstStyle/>
+                    <a:p>
+                      <a:endParaRPr lang="en-US"/>
+                    </a:p>
+                  </a:txBody>
+                  <a:tcPr>
+                    <a:solidFill>
+                      <a:schemeClr val="bg1">
+                        <a:lumMod val="85000"/>
+                      </a:schemeClr>
+                    </a:solidFill>
+                  </a:tcPr>
+                </a:tc>
+                <a:tc>
+                  <a:txBody>
+                    <a:bodyPr/>
+                    <a:lstStyle/>
+                    <a:p>
+                      <a:endParaRPr lang="en-US" dirty="0"/>
+                    </a:p>
+                  </a:txBody>
+                  <a:tcPr>
+                    <a:solidFill>
+                      <a:schemeClr val="bg1">
+                        <a:lumMod val="85000"/>
+                      </a:schemeClr>
+                    </a:solidFill>
+                  </a:tcPr>
+                </a:tc>
+                <a:tc>
+                  <a:txBody>
+                    <a:bodyPr/>
+                    <a:lstStyle/>
+                    <a:p>
+                      <a:endParaRPr lang="en-US" dirty="0"/>
+                    </a:p>
+                  </a:txBody>
+                  <a:tcPr>
+                    <a:solidFill>
+                      <a:schemeClr val="bg1">
+                        <a:lumMod val="85000"/>
+                      </a:schemeClr>
+                    </a:solidFill>
+                  </a:tcPr>
+                </a:tc>
+                <a:tc>
+                  <a:txBody>
+                    <a:bodyPr/>
+                    <a:lstStyle/>
+                    <a:p>
+                      <a:endParaRPr lang="en-US" dirty="0"/>
+                    </a:p>
+                  </a:txBody>
+                  <a:tcPr>
+                    <a:solidFill>
+                      <a:schemeClr val="bg1">
+                        <a:lumMod val="85000"/>
+                      </a:schemeClr>
+                    </a:solidFill>
+                  </a:tcPr>
+                </a:tc>
+              </a:tr>
+              <a:tr h="470693">
+                <a:tc>
+                  <a:txBody>
+                    <a:bodyPr/>
+                    <a:lstStyle/>
+                    <a:p>
+                      <a:endParaRPr lang="en-US"/>
+                    </a:p>
+                  </a:txBody>
+                  <a:tcPr>
+                    <a:solidFill>
+                      <a:schemeClr val="bg1">
+                        <a:lumMod val="85000"/>
+                      </a:schemeClr>
+                    </a:solidFill>
+                  </a:tcPr>
+                </a:tc>
+                <a:tc>
+                  <a:txBody>
+                    <a:bodyPr/>
+                    <a:lstStyle/>
+                    <a:p>
+                      <a:endParaRPr lang="en-US"/>
+                    </a:p>
+                  </a:txBody>
+                  <a:tcPr>
+                    <a:solidFill>
+                      <a:schemeClr val="bg1">
+                        <a:lumMod val="85000"/>
+                      </a:schemeClr>
+                    </a:solidFill>
+                  </a:tcPr>
+                </a:tc>
+                <a:tc>
+                  <a:txBody>
+                    <a:bodyPr/>
+                    <a:lstStyle/>
+                    <a:p>
+                      <a:endParaRPr lang="en-US" dirty="0"/>
+                    </a:p>
+                  </a:txBody>
+                  <a:tcPr>
+                    <a:solidFill>
+                      <a:schemeClr val="bg1">
+                        <a:lumMod val="85000"/>
+                      </a:schemeClr>
+                    </a:solidFill>
+                  </a:tcPr>
+                </a:tc>
+                <a:tc>
+                  <a:txBody>
+                    <a:bodyPr/>
+                    <a:lstStyle/>
+                    <a:p>
+                      <a:endParaRPr lang="en-US"/>
+                    </a:p>
+                  </a:txBody>
+                  <a:tcPr>
+                    <a:solidFill>
+                      <a:schemeClr val="bg1">
+                        <a:lumMod val="85000"/>
+                      </a:schemeClr>
+                    </a:solidFill>
+                  </a:tcPr>
+                </a:tc>
+                <a:tc>
+                  <a:txBody>
+                    <a:bodyPr/>
+                    <a:lstStyle/>
+                    <a:p>
+                      <a:endParaRPr lang="en-US"/>
+                    </a:p>
+                  </a:txBody>
+                  <a:tcPr>
+                    <a:solidFill>
+                      <a:schemeClr val="bg1">
+                        <a:lumMod val="85000"/>
+                      </a:schemeClr>
+                    </a:solidFill>
+                  </a:tcPr>
+                </a:tc>
+                <a:tc>
+                  <a:txBody>
+                    <a:bodyPr/>
+                    <a:lstStyle/>
+                    <a:p>
+                      <a:endParaRPr lang="en-US"/>
+                    </a:p>
+                  </a:txBody>
+                  <a:tcPr>
+                    <a:solidFill>
+                      <a:schemeClr val="bg1">
+                        <a:lumMod val="85000"/>
+                      </a:schemeClr>
+                    </a:solidFill>
+                  </a:tcPr>
+                </a:tc>
+                <a:tc>
+                  <a:txBody>
+                    <a:bodyPr/>
+                    <a:lstStyle/>
+                    <a:p>
+                      <a:endParaRPr lang="en-US"/>
+                    </a:p>
+                  </a:txBody>
+                  <a:tcPr>
+                    <a:solidFill>
+                      <a:schemeClr val="bg1">
+                        <a:lumMod val="85000"/>
+                      </a:schemeClr>
+                    </a:solidFill>
+                  </a:tcPr>
+                </a:tc>
+                <a:tc>
+                  <a:txBody>
+                    <a:bodyPr/>
+                    <a:lstStyle/>
+                    <a:p>
+                      <a:endParaRPr lang="en-US"/>
+                    </a:p>
+                  </a:txBody>
+                  <a:tcPr>
+                    <a:solidFill>
+                      <a:schemeClr val="bg1">
+                        <a:lumMod val="85000"/>
+                      </a:schemeClr>
+                    </a:solidFill>
+                  </a:tcPr>
+                </a:tc>
+                <a:tc>
+                  <a:txBody>
+                    <a:bodyPr/>
+                    <a:lstStyle/>
+                    <a:p>
+                      <a:endParaRPr lang="en-US"/>
+                    </a:p>
+                  </a:txBody>
+                  <a:tcPr>
+                    <a:solidFill>
+                      <a:schemeClr val="bg1">
+                        <a:lumMod val="85000"/>
+                      </a:schemeClr>
+                    </a:solidFill>
+                  </a:tcPr>
+                </a:tc>
+                <a:tc>
+                  <a:txBody>
+                    <a:bodyPr/>
+                    <a:lstStyle/>
+                    <a:p>
+                      <a:endParaRPr lang="en-US" dirty="0"/>
+                    </a:p>
+                  </a:txBody>
+                  <a:tcPr>
+                    <a:solidFill>
+                      <a:schemeClr val="bg1">
+                        <a:lumMod val="85000"/>
+                      </a:schemeClr>
+                    </a:solidFill>
+                  </a:tcPr>
+                </a:tc>
+              </a:tr>
+            </a:tbl>
+          </a:graphicData>
+        </a:graphic>
+      </p:graphicFrame>
+      <p:sp>
+        <p:nvSpPr>
+          <p:cNvPr id="13" name="Shape 561"/>
+          <p:cNvSpPr txBox="1">
+            <a:spLocks/>
+          </p:cNvSpPr>
+          <p:nvPr/>
+        </p:nvSpPr>
+        <p:spPr>
+          <a:xfrm>
+            <a:off x="235500" y="1026062"/>
+            <a:ext cx="1465500" cy="562488"/>
+          </a:xfrm>
+          <a:prstGeom prst="rect">
+            <a:avLst/>
+          </a:prstGeom>
+          <a:noFill/>
+          <a:ln>
+            <a:noFill/>
+          </a:ln>
+        </p:spPr>
+        <p:txBody>
+          <a:bodyPr wrap="square" lIns="91425" tIns="91425" rIns="91425" bIns="91425" anchor="t" anchorCtr="0">
+            <a:noAutofit/>
+          </a:bodyPr>
+          <a:lstStyle>
+            <a:defPPr marR="0" lvl="0" algn="l" rtl="0">
+              <a:lnSpc>
+                <a:spcPct val="100000"/>
+              </a:lnSpc>
+              <a:spcBef>
+                <a:spcPts val="0"/>
+              </a:spcBef>
+              <a:spcAft>
+                <a:spcPts val="0"/>
+              </a:spcAft>
+            </a:defPPr>
+            <a:lvl1pPr marR="0" lvl="0" algn="l" rtl="0">
+              <a:lnSpc>
+                <a:spcPct val="100000"/>
+              </a:lnSpc>
+              <a:spcBef>
+                <a:spcPts val="0"/>
+              </a:spcBef>
+              <a:spcAft>
+                <a:spcPts val="0"/>
+              </a:spcAft>
+              <a:buClr>
+                <a:schemeClr val="dk1"/>
+              </a:buClr>
+              <a:buSzPct val="100000"/>
+              <a:buNone/>
+              <a:defRPr sz="2800" b="0" i="0" u="none" strike="noStrike" cap="none">
+                <a:solidFill>
+                  <a:schemeClr val="dk1"/>
+                </a:solidFill>
+                <a:latin typeface="Arial"/>
+                <a:ea typeface="Arial"/>
+                <a:cs typeface="Arial"/>
+                <a:sym typeface="Arial"/>
+              </a:defRPr>
+            </a:lvl1pPr>
+            <a:lvl2pPr lvl="1">
+              <a:spcBef>
+                <a:spcPts val="0"/>
+              </a:spcBef>
+              <a:buClr>
+                <a:schemeClr val="dk1"/>
+              </a:buClr>
+              <a:buSzPct val="100000"/>
+              <a:buNone/>
+              <a:defRPr sz="2800">
+                <a:solidFill>
+                  <a:schemeClr val="dk1"/>
+                </a:solidFill>
+              </a:defRPr>
+            </a:lvl2pPr>
+            <a:lvl3pPr lvl="2">
+              <a:spcBef>
+                <a:spcPts val="0"/>
+              </a:spcBef>
+              <a:buClr>
+                <a:schemeClr val="dk1"/>
+              </a:buClr>
+              <a:buSzPct val="100000"/>
+              <a:buNone/>
+              <a:defRPr sz="2800">
+                <a:solidFill>
+                  <a:schemeClr val="dk1"/>
+                </a:solidFill>
+              </a:defRPr>
+            </a:lvl3pPr>
+            <a:lvl4pPr lvl="3">
+              <a:spcBef>
+                <a:spcPts val="0"/>
+              </a:spcBef>
+              <a:buClr>
+                <a:schemeClr val="dk1"/>
+              </a:buClr>
+              <a:buSzPct val="100000"/>
+              <a:buNone/>
+              <a:defRPr sz="2800">
+                <a:solidFill>
+                  <a:schemeClr val="dk1"/>
+                </a:solidFill>
+              </a:defRPr>
+            </a:lvl4pPr>
+            <a:lvl5pPr lvl="4">
+              <a:spcBef>
+                <a:spcPts val="0"/>
+              </a:spcBef>
+              <a:buClr>
+                <a:schemeClr val="dk1"/>
+              </a:buClr>
+              <a:buSzPct val="100000"/>
+              <a:buNone/>
+              <a:defRPr sz="2800">
+                <a:solidFill>
+                  <a:schemeClr val="dk1"/>
+                </a:solidFill>
+              </a:defRPr>
+            </a:lvl5pPr>
+            <a:lvl6pPr lvl="5">
+              <a:spcBef>
+                <a:spcPts val="0"/>
+              </a:spcBef>
+              <a:buClr>
+                <a:schemeClr val="dk1"/>
+              </a:buClr>
+              <a:buSzPct val="100000"/>
+              <a:buNone/>
+              <a:defRPr sz="2800">
+                <a:solidFill>
+                  <a:schemeClr val="dk1"/>
+                </a:solidFill>
+              </a:defRPr>
+            </a:lvl6pPr>
+            <a:lvl7pPr lvl="6">
+              <a:spcBef>
+                <a:spcPts val="0"/>
+              </a:spcBef>
+              <a:buClr>
+                <a:schemeClr val="dk1"/>
+              </a:buClr>
+              <a:buSzPct val="100000"/>
+              <a:buNone/>
+              <a:defRPr sz="2800">
+                <a:solidFill>
+                  <a:schemeClr val="dk1"/>
+                </a:solidFill>
+              </a:defRPr>
+            </a:lvl7pPr>
+            <a:lvl8pPr lvl="7">
+              <a:spcBef>
+                <a:spcPts val="0"/>
+              </a:spcBef>
+              <a:buClr>
+                <a:schemeClr val="dk1"/>
+              </a:buClr>
+              <a:buSzPct val="100000"/>
+              <a:buNone/>
+              <a:defRPr sz="2800">
+                <a:solidFill>
+                  <a:schemeClr val="dk1"/>
+                </a:solidFill>
+              </a:defRPr>
+            </a:lvl8pPr>
+            <a:lvl9pPr lvl="8">
+              <a:spcBef>
+                <a:spcPts val="0"/>
+              </a:spcBef>
+              <a:buClr>
+                <a:schemeClr val="dk1"/>
+              </a:buClr>
+              <a:buSzPct val="100000"/>
+              <a:buNone/>
+              <a:defRPr sz="2800">
+                <a:solidFill>
+                  <a:schemeClr val="dk1"/>
+                </a:solidFill>
+              </a:defRPr>
+            </a:lvl9pPr>
+          </a:lstStyle>
+          <a:p>
+            <a:r>
+              <a:rPr lang="th-TH" sz="1600" b="1" dirty="0" smtClean="0">
+                <a:latin typeface="Angsana New" panose="02020603050405020304" pitchFamily="18" charset="-34"/>
+                <a:cs typeface="Angsana New" panose="02020603050405020304" pitchFamily="18" charset="-34"/>
+              </a:rPr>
+              <a:t>ผู้เบิก </a:t>
+            </a:r>
+            <a:r>
+              <a:rPr lang="en-US" sz="1600" b="1" dirty="0" smtClean="0"/>
+              <a:t>:</a:t>
+            </a:r>
+            <a:endParaRPr lang="th-TH" sz="1600" b="1" dirty="0"/>
+          </a:p>
+        </p:txBody>
+      </p:sp>
+      <p:sp>
+        <p:nvSpPr>
+          <p:cNvPr id="14" name="Shape 561"/>
+          <p:cNvSpPr txBox="1">
+            <a:spLocks/>
+          </p:cNvSpPr>
+          <p:nvPr/>
+        </p:nvSpPr>
+        <p:spPr>
+          <a:xfrm>
+            <a:off x="235500" y="1390390"/>
+            <a:ext cx="1465500" cy="562488"/>
+          </a:xfrm>
+          <a:prstGeom prst="rect">
+            <a:avLst/>
+          </a:prstGeom>
+          <a:noFill/>
+          <a:ln>
+            <a:noFill/>
+          </a:ln>
+        </p:spPr>
+        <p:txBody>
+          <a:bodyPr wrap="square" lIns="91425" tIns="91425" rIns="91425" bIns="91425" anchor="t" anchorCtr="0">
+            <a:noAutofit/>
+          </a:bodyPr>
+          <a:lstStyle>
+            <a:defPPr marR="0" lvl="0" algn="l" rtl="0">
+              <a:lnSpc>
+                <a:spcPct val="100000"/>
+              </a:lnSpc>
+              <a:spcBef>
+                <a:spcPts val="0"/>
+              </a:spcBef>
+              <a:spcAft>
+                <a:spcPts val="0"/>
+              </a:spcAft>
+            </a:defPPr>
+            <a:lvl1pPr marR="0" lvl="0" algn="l" rtl="0">
+              <a:lnSpc>
+                <a:spcPct val="100000"/>
+              </a:lnSpc>
+              <a:spcBef>
+                <a:spcPts val="0"/>
+              </a:spcBef>
+              <a:spcAft>
+                <a:spcPts val="0"/>
+              </a:spcAft>
+              <a:buClr>
+                <a:schemeClr val="dk1"/>
+              </a:buClr>
+              <a:buSzPct val="100000"/>
+              <a:buNone/>
+              <a:defRPr sz="2800" b="0" i="0" u="none" strike="noStrike" cap="none">
+                <a:solidFill>
+                  <a:schemeClr val="dk1"/>
+                </a:solidFill>
+                <a:latin typeface="Arial"/>
+                <a:ea typeface="Arial"/>
+                <a:cs typeface="Arial"/>
+                <a:sym typeface="Arial"/>
+              </a:defRPr>
+            </a:lvl1pPr>
+            <a:lvl2pPr lvl="1">
+              <a:spcBef>
+                <a:spcPts val="0"/>
+              </a:spcBef>
+              <a:buClr>
+                <a:schemeClr val="dk1"/>
+              </a:buClr>
+              <a:buSzPct val="100000"/>
+              <a:buNone/>
+              <a:defRPr sz="2800">
+                <a:solidFill>
+                  <a:schemeClr val="dk1"/>
+                </a:solidFill>
+              </a:defRPr>
+            </a:lvl2pPr>
+            <a:lvl3pPr lvl="2">
+              <a:spcBef>
+                <a:spcPts val="0"/>
+              </a:spcBef>
+              <a:buClr>
+                <a:schemeClr val="dk1"/>
+              </a:buClr>
+              <a:buSzPct val="100000"/>
+              <a:buNone/>
+              <a:defRPr sz="2800">
+                <a:solidFill>
+                  <a:schemeClr val="dk1"/>
+                </a:solidFill>
+              </a:defRPr>
+            </a:lvl3pPr>
+            <a:lvl4pPr lvl="3">
+              <a:spcBef>
+                <a:spcPts val="0"/>
+              </a:spcBef>
+              <a:buClr>
+                <a:schemeClr val="dk1"/>
+              </a:buClr>
+              <a:buSzPct val="100000"/>
+              <a:buNone/>
+              <a:defRPr sz="2800">
+                <a:solidFill>
+                  <a:schemeClr val="dk1"/>
+                </a:solidFill>
+              </a:defRPr>
+            </a:lvl4pPr>
+            <a:lvl5pPr lvl="4">
+              <a:spcBef>
+                <a:spcPts val="0"/>
+              </a:spcBef>
+              <a:buClr>
+                <a:schemeClr val="dk1"/>
+              </a:buClr>
+              <a:buSzPct val="100000"/>
+              <a:buNone/>
+              <a:defRPr sz="2800">
+                <a:solidFill>
+                  <a:schemeClr val="dk1"/>
+                </a:solidFill>
+              </a:defRPr>
+            </a:lvl5pPr>
+            <a:lvl6pPr lvl="5">
+              <a:spcBef>
+                <a:spcPts val="0"/>
+              </a:spcBef>
+              <a:buClr>
+                <a:schemeClr val="dk1"/>
+              </a:buClr>
+              <a:buSzPct val="100000"/>
+              <a:buNone/>
+              <a:defRPr sz="2800">
+                <a:solidFill>
+                  <a:schemeClr val="dk1"/>
+                </a:solidFill>
+              </a:defRPr>
+            </a:lvl6pPr>
+            <a:lvl7pPr lvl="6">
+              <a:spcBef>
+                <a:spcPts val="0"/>
+              </a:spcBef>
+              <a:buClr>
+                <a:schemeClr val="dk1"/>
+              </a:buClr>
+              <a:buSzPct val="100000"/>
+              <a:buNone/>
+              <a:defRPr sz="2800">
+                <a:solidFill>
+                  <a:schemeClr val="dk1"/>
+                </a:solidFill>
+              </a:defRPr>
+            </a:lvl7pPr>
+            <a:lvl8pPr lvl="7">
+              <a:spcBef>
+                <a:spcPts val="0"/>
+              </a:spcBef>
+              <a:buClr>
+                <a:schemeClr val="dk1"/>
+              </a:buClr>
+              <a:buSzPct val="100000"/>
+              <a:buNone/>
+              <a:defRPr sz="2800">
+                <a:solidFill>
+                  <a:schemeClr val="dk1"/>
+                </a:solidFill>
+              </a:defRPr>
+            </a:lvl8pPr>
+            <a:lvl9pPr lvl="8">
+              <a:spcBef>
+                <a:spcPts val="0"/>
+              </a:spcBef>
+              <a:buClr>
+                <a:schemeClr val="dk1"/>
+              </a:buClr>
+              <a:buSzPct val="100000"/>
+              <a:buNone/>
+              <a:defRPr sz="2800">
+                <a:solidFill>
+                  <a:schemeClr val="dk1"/>
+                </a:solidFill>
+              </a:defRPr>
+            </a:lvl9pPr>
+          </a:lstStyle>
+          <a:p>
+            <a:r>
+              <a:rPr lang="th-TH" sz="1600" b="1" dirty="0" smtClean="0">
+                <a:latin typeface="Angsana New" panose="02020603050405020304" pitchFamily="18" charset="-34"/>
+                <a:cs typeface="Angsana New" panose="02020603050405020304" pitchFamily="18" charset="-34"/>
+              </a:rPr>
+              <a:t>แผนก </a:t>
+            </a:r>
+            <a:r>
+              <a:rPr lang="en-US" sz="1600" b="1" dirty="0" smtClean="0"/>
+              <a:t>:</a:t>
+            </a:r>
+            <a:endParaRPr lang="th-TH" sz="1600" b="1" dirty="0"/>
           </a:p>
         </p:txBody>
       </p:sp>
     </p:spTree>
+    <p:extLst>
+      <p:ext uri="{BB962C8B-B14F-4D97-AF65-F5344CB8AC3E}">
+        <p14:creationId xmlns:p14="http://schemas.microsoft.com/office/powerpoint/2010/main" val="3070240226"/>
+      </p:ext>
+    </p:extLst>
   </p:cSld>
   <p:clrMapOvr>
     <a:masterClrMapping/>
   </p:clrMapOvr>
+  <p:timing>
+    <p:tnLst>
+      <p:par>
+        <p:cTn id="1" dur="indefinite" restart="never" nodeType="tmRoot"/>
+      </p:par>
+    </p:tnLst>
+  </p:timing>
 </p:sld>
 </file>
 

--- a/ออกแบบโปรเจคทะเบียนสินทรัพย์.pptx
+++ b/ออกแบบโปรเจคทะเบียนสินทรัพย์.pptx
@@ -28444,8 +28444,8 @@
         </p:nvSpPr>
         <p:spPr>
           <a:xfrm>
-            <a:off x="6068500" y="1806825"/>
-            <a:ext cx="2859000" cy="3041100"/>
+            <a:off x="6068500" y="1807875"/>
+            <a:ext cx="2859000" cy="3040050"/>
           </a:xfrm>
           <a:prstGeom prst="rect">
             <a:avLst/>
@@ -36668,7 +36668,9 @@
       </p:sp>
       <p:sp>
         <p:nvSpPr>
-          <p:cNvPr id="266" name="Shape 266"/>
+          <p:cNvPr id="266" name="Shape 266">
+            <a:hlinkClick r:id="rId3" action="ppaction://hlinksldjump"/>
+          </p:cNvPr>
           <p:cNvSpPr/>
           <p:nvPr/>
         </p:nvSpPr>
@@ -36716,12 +36718,14 @@
       </p:sp>
       <p:pic>
         <p:nvPicPr>
-          <p:cNvPr id="267" name="Shape 267" descr="checked1.png"/>
+          <p:cNvPr id="267" name="Shape 267" descr="checked1.png">
+            <a:hlinkClick r:id="rId3" action="ppaction://hlinksldjump"/>
+          </p:cNvPr>
           <p:cNvPicPr preferRelativeResize="0"/>
           <p:nvPr/>
         </p:nvPicPr>
         <p:blipFill>
-          <a:blip r:embed="rId3">
+          <a:blip r:embed="rId4">
             <a:alphaModFix/>
           </a:blip>
           <a:stretch>
@@ -36745,7 +36749,7 @@
       <p:sp>
         <p:nvSpPr>
           <p:cNvPr id="268" name="Shape 268">
-            <a:hlinkClick r:id="rId4" action="ppaction://hlinksldjump"/>
+            <a:hlinkClick r:id="rId3" action="ppaction://hlinksldjump"/>
           </p:cNvPr>
           <p:cNvSpPr/>
           <p:nvPr/>
